--- a/Présentation1.pptx
+++ b/Présentation1.pptx
@@ -104,6 +104,11 @@
       </a:defRPr>
     </a:lvl9pPr>
   </p:defaultTextStyle>
+  <p:extLst>
+    <p:ext uri="{EFAFB233-063F-42B5-8137-9DF3F51BA10A}">
+      <p15:sldGuideLst xmlns:p15="http://schemas.microsoft.com/office/powerpoint/2012/main"/>
+    </p:ext>
+  </p:extLst>
 </p:presentation>
 </file>
 
@@ -256,7 +261,7 @@
           <a:p>
             <a:fld id="{22CD0BCE-86C3-40D7-8017-42B97FFE2572}" type="datetimeFigureOut">
               <a:rPr lang="en-GB" smtClean="0"/>
-              <a:t>18/11/2019</a:t>
+              <a:t>27/11/2019</a:t>
             </a:fld>
             <a:endParaRPr lang="en-GB"/>
           </a:p>
@@ -456,7 +461,7 @@
           <a:p>
             <a:fld id="{22CD0BCE-86C3-40D7-8017-42B97FFE2572}" type="datetimeFigureOut">
               <a:rPr lang="en-GB" smtClean="0"/>
-              <a:t>18/11/2019</a:t>
+              <a:t>27/11/2019</a:t>
             </a:fld>
             <a:endParaRPr lang="en-GB"/>
           </a:p>
@@ -666,7 +671,7 @@
           <a:p>
             <a:fld id="{22CD0BCE-86C3-40D7-8017-42B97FFE2572}" type="datetimeFigureOut">
               <a:rPr lang="en-GB" smtClean="0"/>
-              <a:t>18/11/2019</a:t>
+              <a:t>27/11/2019</a:t>
             </a:fld>
             <a:endParaRPr lang="en-GB"/>
           </a:p>
@@ -866,7 +871,7 @@
           <a:p>
             <a:fld id="{22CD0BCE-86C3-40D7-8017-42B97FFE2572}" type="datetimeFigureOut">
               <a:rPr lang="en-GB" smtClean="0"/>
-              <a:t>18/11/2019</a:t>
+              <a:t>27/11/2019</a:t>
             </a:fld>
             <a:endParaRPr lang="en-GB"/>
           </a:p>
@@ -1142,7 +1147,7 @@
           <a:p>
             <a:fld id="{22CD0BCE-86C3-40D7-8017-42B97FFE2572}" type="datetimeFigureOut">
               <a:rPr lang="en-GB" smtClean="0"/>
-              <a:t>18/11/2019</a:t>
+              <a:t>27/11/2019</a:t>
             </a:fld>
             <a:endParaRPr lang="en-GB"/>
           </a:p>
@@ -1410,7 +1415,7 @@
           <a:p>
             <a:fld id="{22CD0BCE-86C3-40D7-8017-42B97FFE2572}" type="datetimeFigureOut">
               <a:rPr lang="en-GB" smtClean="0"/>
-              <a:t>18/11/2019</a:t>
+              <a:t>27/11/2019</a:t>
             </a:fld>
             <a:endParaRPr lang="en-GB"/>
           </a:p>
@@ -1825,7 +1830,7 @@
           <a:p>
             <a:fld id="{22CD0BCE-86C3-40D7-8017-42B97FFE2572}" type="datetimeFigureOut">
               <a:rPr lang="en-GB" smtClean="0"/>
-              <a:t>18/11/2019</a:t>
+              <a:t>27/11/2019</a:t>
             </a:fld>
             <a:endParaRPr lang="en-GB"/>
           </a:p>
@@ -1967,7 +1972,7 @@
           <a:p>
             <a:fld id="{22CD0BCE-86C3-40D7-8017-42B97FFE2572}" type="datetimeFigureOut">
               <a:rPr lang="en-GB" smtClean="0"/>
-              <a:t>18/11/2019</a:t>
+              <a:t>27/11/2019</a:t>
             </a:fld>
             <a:endParaRPr lang="en-GB"/>
           </a:p>
@@ -2080,7 +2085,7 @@
           <a:p>
             <a:fld id="{22CD0BCE-86C3-40D7-8017-42B97FFE2572}" type="datetimeFigureOut">
               <a:rPr lang="en-GB" smtClean="0"/>
-              <a:t>18/11/2019</a:t>
+              <a:t>27/11/2019</a:t>
             </a:fld>
             <a:endParaRPr lang="en-GB"/>
           </a:p>
@@ -2393,7 +2398,7 @@
           <a:p>
             <a:fld id="{22CD0BCE-86C3-40D7-8017-42B97FFE2572}" type="datetimeFigureOut">
               <a:rPr lang="en-GB" smtClean="0"/>
-              <a:t>18/11/2019</a:t>
+              <a:t>27/11/2019</a:t>
             </a:fld>
             <a:endParaRPr lang="en-GB"/>
           </a:p>
@@ -2682,7 +2687,7 @@
           <a:p>
             <a:fld id="{22CD0BCE-86C3-40D7-8017-42B97FFE2572}" type="datetimeFigureOut">
               <a:rPr lang="en-GB" smtClean="0"/>
-              <a:t>18/11/2019</a:t>
+              <a:t>27/11/2019</a:t>
             </a:fld>
             <a:endParaRPr lang="en-GB"/>
           </a:p>
@@ -2925,7 +2930,7 @@
           <a:p>
             <a:fld id="{22CD0BCE-86C3-40D7-8017-42B97FFE2572}" type="datetimeFigureOut">
               <a:rPr lang="en-GB" smtClean="0"/>
-              <a:t>18/11/2019</a:t>
+              <a:t>27/11/2019</a:t>
             </a:fld>
             <a:endParaRPr lang="en-GB"/>
           </a:p>
@@ -4318,6 +4323,326 @@
           </a:graphicData>
         </a:graphic>
       </p:graphicFrame>
+      <p:sp>
+        <p:nvSpPr>
+          <p:cNvPr id="2" name="Flèche : bas 1">
+            <a:extLst>
+              <a:ext uri="{FF2B5EF4-FFF2-40B4-BE49-F238E27FC236}">
+                <a16:creationId xmlns:a16="http://schemas.microsoft.com/office/drawing/2014/main" id="{4B78C041-93B6-4D31-B216-1610A7EA3183}"/>
+              </a:ext>
+            </a:extLst>
+          </p:cNvPr>
+          <p:cNvSpPr/>
+          <p:nvPr/>
+        </p:nvSpPr>
+        <p:spPr>
+          <a:xfrm>
+            <a:off x="6804030" y="4837645"/>
+            <a:ext cx="815546" cy="1271060"/>
+          </a:xfrm>
+          <a:prstGeom prst="downArrow">
+            <a:avLst/>
+          </a:prstGeom>
+          <a:solidFill>
+            <a:schemeClr val="bg2">
+              <a:lumMod val="75000"/>
+            </a:schemeClr>
+          </a:solidFill>
+        </p:spPr>
+        <p:style>
+          <a:lnRef idx="2">
+            <a:schemeClr val="accent1">
+              <a:shade val="50000"/>
+            </a:schemeClr>
+          </a:lnRef>
+          <a:fillRef idx="1">
+            <a:schemeClr val="accent1"/>
+          </a:fillRef>
+          <a:effectRef idx="0">
+            <a:schemeClr val="accent1"/>
+          </a:effectRef>
+          <a:fontRef idx="minor">
+            <a:schemeClr val="lt1"/>
+          </a:fontRef>
+        </p:style>
+        <p:txBody>
+          <a:bodyPr rtlCol="0" anchor="ctr"/>
+          <a:lstStyle/>
+          <a:p>
+            <a:pPr algn="ctr"/>
+            <a:endParaRPr lang="en-GB">
+              <a:solidFill>
+                <a:sysClr val="windowText" lastClr="000000"/>
+              </a:solidFill>
+            </a:endParaRPr>
+          </a:p>
+        </p:txBody>
+      </p:sp>
+      <p:sp>
+        <p:nvSpPr>
+          <p:cNvPr id="18" name="Flèche : bas 17">
+            <a:extLst>
+              <a:ext uri="{FF2B5EF4-FFF2-40B4-BE49-F238E27FC236}">
+                <a16:creationId xmlns:a16="http://schemas.microsoft.com/office/drawing/2014/main" id="{0A927F2E-2691-42C1-914B-1E6B8C6D2B10}"/>
+              </a:ext>
+            </a:extLst>
+          </p:cNvPr>
+          <p:cNvSpPr/>
+          <p:nvPr/>
+        </p:nvSpPr>
+        <p:spPr>
+          <a:xfrm rot="10800000">
+            <a:off x="7972852" y="4837645"/>
+            <a:ext cx="815546" cy="1271060"/>
+          </a:xfrm>
+          <a:prstGeom prst="downArrow">
+            <a:avLst/>
+          </a:prstGeom>
+          <a:solidFill>
+            <a:schemeClr val="bg2">
+              <a:lumMod val="75000"/>
+            </a:schemeClr>
+          </a:solidFill>
+        </p:spPr>
+        <p:style>
+          <a:lnRef idx="2">
+            <a:schemeClr val="accent1">
+              <a:shade val="50000"/>
+            </a:schemeClr>
+          </a:lnRef>
+          <a:fillRef idx="1">
+            <a:schemeClr val="accent1"/>
+          </a:fillRef>
+          <a:effectRef idx="0">
+            <a:schemeClr val="accent1"/>
+          </a:effectRef>
+          <a:fontRef idx="minor">
+            <a:schemeClr val="lt1"/>
+          </a:fontRef>
+        </p:style>
+        <p:txBody>
+          <a:bodyPr rtlCol="0" anchor="ctr"/>
+          <a:lstStyle/>
+          <a:p>
+            <a:pPr algn="ctr"/>
+            <a:endParaRPr lang="en-GB">
+              <a:solidFill>
+                <a:sysClr val="windowText" lastClr="000000"/>
+              </a:solidFill>
+            </a:endParaRPr>
+          </a:p>
+        </p:txBody>
+      </p:sp>
+      <p:sp>
+        <p:nvSpPr>
+          <p:cNvPr id="19" name="Flèche : bas 18">
+            <a:extLst>
+              <a:ext uri="{FF2B5EF4-FFF2-40B4-BE49-F238E27FC236}">
+                <a16:creationId xmlns:a16="http://schemas.microsoft.com/office/drawing/2014/main" id="{DC932C19-E411-4C18-9437-61A89F0ED3DE}"/>
+              </a:ext>
+            </a:extLst>
+          </p:cNvPr>
+          <p:cNvSpPr/>
+          <p:nvPr/>
+        </p:nvSpPr>
+        <p:spPr>
+          <a:xfrm rot="16200000">
+            <a:off x="9812023" y="4159779"/>
+            <a:ext cx="815546" cy="1271060"/>
+          </a:xfrm>
+          <a:prstGeom prst="downArrow">
+            <a:avLst/>
+          </a:prstGeom>
+          <a:solidFill>
+            <a:schemeClr val="bg2">
+              <a:lumMod val="75000"/>
+            </a:schemeClr>
+          </a:solidFill>
+        </p:spPr>
+        <p:style>
+          <a:lnRef idx="2">
+            <a:schemeClr val="accent1">
+              <a:shade val="50000"/>
+            </a:schemeClr>
+          </a:lnRef>
+          <a:fillRef idx="1">
+            <a:schemeClr val="accent1"/>
+          </a:fillRef>
+          <a:effectRef idx="0">
+            <a:schemeClr val="accent1"/>
+          </a:effectRef>
+          <a:fontRef idx="minor">
+            <a:schemeClr val="lt1"/>
+          </a:fontRef>
+        </p:style>
+        <p:txBody>
+          <a:bodyPr rtlCol="0" anchor="ctr"/>
+          <a:lstStyle/>
+          <a:p>
+            <a:pPr algn="ctr"/>
+            <a:endParaRPr lang="en-GB">
+              <a:solidFill>
+                <a:sysClr val="windowText" lastClr="000000"/>
+              </a:solidFill>
+            </a:endParaRPr>
+          </a:p>
+        </p:txBody>
+      </p:sp>
+      <p:sp>
+        <p:nvSpPr>
+          <p:cNvPr id="20" name="Flèche : bas 19">
+            <a:extLst>
+              <a:ext uri="{FF2B5EF4-FFF2-40B4-BE49-F238E27FC236}">
+                <a16:creationId xmlns:a16="http://schemas.microsoft.com/office/drawing/2014/main" id="{2DFD5FC3-8B4C-45BF-8284-B55E7E8A2A08}"/>
+              </a:ext>
+            </a:extLst>
+          </p:cNvPr>
+          <p:cNvSpPr/>
+          <p:nvPr/>
+        </p:nvSpPr>
+        <p:spPr>
+          <a:xfrm rot="5400000">
+            <a:off x="9796683" y="5245418"/>
+            <a:ext cx="815546" cy="1271060"/>
+          </a:xfrm>
+          <a:prstGeom prst="downArrow">
+            <a:avLst/>
+          </a:prstGeom>
+          <a:solidFill>
+            <a:schemeClr val="bg2">
+              <a:lumMod val="75000"/>
+            </a:schemeClr>
+          </a:solidFill>
+        </p:spPr>
+        <p:style>
+          <a:lnRef idx="2">
+            <a:schemeClr val="accent1">
+              <a:shade val="50000"/>
+            </a:schemeClr>
+          </a:lnRef>
+          <a:fillRef idx="1">
+            <a:schemeClr val="accent1"/>
+          </a:fillRef>
+          <a:effectRef idx="0">
+            <a:schemeClr val="accent1"/>
+          </a:effectRef>
+          <a:fontRef idx="minor">
+            <a:schemeClr val="lt1"/>
+          </a:fontRef>
+        </p:style>
+        <p:txBody>
+          <a:bodyPr rtlCol="0" anchor="ctr"/>
+          <a:lstStyle/>
+          <a:p>
+            <a:pPr algn="ctr"/>
+            <a:endParaRPr lang="en-GB">
+              <a:solidFill>
+                <a:sysClr val="windowText" lastClr="000000"/>
+              </a:solidFill>
+            </a:endParaRPr>
+          </a:p>
+        </p:txBody>
+      </p:sp>
+      <p:sp>
+        <p:nvSpPr>
+          <p:cNvPr id="3" name="Flèche : courbe vers la droite 2">
+            <a:extLst>
+              <a:ext uri="{FF2B5EF4-FFF2-40B4-BE49-F238E27FC236}">
+                <a16:creationId xmlns:a16="http://schemas.microsoft.com/office/drawing/2014/main" id="{E51E7E12-A2E7-4610-A651-D8EE84D02F05}"/>
+              </a:ext>
+            </a:extLst>
+          </p:cNvPr>
+          <p:cNvSpPr/>
+          <p:nvPr/>
+        </p:nvSpPr>
+        <p:spPr>
+          <a:xfrm>
+            <a:off x="9471991" y="805390"/>
+            <a:ext cx="805070" cy="1095375"/>
+          </a:xfrm>
+          <a:prstGeom prst="curvedRightArrow">
+            <a:avLst/>
+          </a:prstGeom>
+        </p:spPr>
+        <p:style>
+          <a:lnRef idx="2">
+            <a:schemeClr val="accent1">
+              <a:shade val="50000"/>
+            </a:schemeClr>
+          </a:lnRef>
+          <a:fillRef idx="1">
+            <a:schemeClr val="accent1"/>
+          </a:fillRef>
+          <a:effectRef idx="0">
+            <a:schemeClr val="accent1"/>
+          </a:effectRef>
+          <a:fontRef idx="minor">
+            <a:schemeClr val="lt1"/>
+          </a:fontRef>
+        </p:style>
+        <p:txBody>
+          <a:bodyPr rtlCol="0" anchor="ctr"/>
+          <a:lstStyle/>
+          <a:p>
+            <a:pPr algn="ctr"/>
+            <a:endParaRPr lang="en-GB">
+              <a:solidFill>
+                <a:schemeClr val="tx1"/>
+              </a:solidFill>
+            </a:endParaRPr>
+          </a:p>
+        </p:txBody>
+      </p:sp>
+      <p:sp>
+        <p:nvSpPr>
+          <p:cNvPr id="4" name="Flèche : courbe vers la gauche 3">
+            <a:extLst>
+              <a:ext uri="{FF2B5EF4-FFF2-40B4-BE49-F238E27FC236}">
+                <a16:creationId xmlns:a16="http://schemas.microsoft.com/office/drawing/2014/main" id="{EB1F3437-1F7F-45A6-9EC3-FD1A4A0D4B33}"/>
+              </a:ext>
+            </a:extLst>
+          </p:cNvPr>
+          <p:cNvSpPr/>
+          <p:nvPr/>
+        </p:nvSpPr>
+        <p:spPr>
+          <a:xfrm>
+            <a:off x="10813253" y="845365"/>
+            <a:ext cx="759621" cy="1095375"/>
+          </a:xfrm>
+          <a:prstGeom prst="curvedLeftArrow">
+            <a:avLst/>
+          </a:prstGeom>
+        </p:spPr>
+        <p:style>
+          <a:lnRef idx="2">
+            <a:schemeClr val="accent1">
+              <a:shade val="50000"/>
+            </a:schemeClr>
+          </a:lnRef>
+          <a:fillRef idx="1">
+            <a:schemeClr val="accent1"/>
+          </a:fillRef>
+          <a:effectRef idx="0">
+            <a:schemeClr val="accent1"/>
+          </a:effectRef>
+          <a:fontRef idx="minor">
+            <a:schemeClr val="lt1"/>
+          </a:fontRef>
+        </p:style>
+        <p:txBody>
+          <a:bodyPr rtlCol="0" anchor="ctr"/>
+          <a:lstStyle/>
+          <a:p>
+            <a:pPr algn="ctr"/>
+            <a:endParaRPr lang="en-GB">
+              <a:solidFill>
+                <a:schemeClr val="tx1"/>
+              </a:solidFill>
+            </a:endParaRPr>
+          </a:p>
+        </p:txBody>
+      </p:sp>
     </p:spTree>
     <p:extLst>
       <p:ext uri="{BB962C8B-B14F-4D97-AF65-F5344CB8AC3E}">

--- a/Présentation1.pptx
+++ b/Présentation1.pptx
@@ -261,7 +261,7 @@
           <a:p>
             <a:fld id="{22CD0BCE-86C3-40D7-8017-42B97FFE2572}" type="datetimeFigureOut">
               <a:rPr lang="en-GB" smtClean="0"/>
-              <a:t>27/11/2019</a:t>
+              <a:t>08/01/2020</a:t>
             </a:fld>
             <a:endParaRPr lang="en-GB"/>
           </a:p>
@@ -461,7 +461,7 @@
           <a:p>
             <a:fld id="{22CD0BCE-86C3-40D7-8017-42B97FFE2572}" type="datetimeFigureOut">
               <a:rPr lang="en-GB" smtClean="0"/>
-              <a:t>27/11/2019</a:t>
+              <a:t>08/01/2020</a:t>
             </a:fld>
             <a:endParaRPr lang="en-GB"/>
           </a:p>
@@ -671,7 +671,7 @@
           <a:p>
             <a:fld id="{22CD0BCE-86C3-40D7-8017-42B97FFE2572}" type="datetimeFigureOut">
               <a:rPr lang="en-GB" smtClean="0"/>
-              <a:t>27/11/2019</a:t>
+              <a:t>08/01/2020</a:t>
             </a:fld>
             <a:endParaRPr lang="en-GB"/>
           </a:p>
@@ -871,7 +871,7 @@
           <a:p>
             <a:fld id="{22CD0BCE-86C3-40D7-8017-42B97FFE2572}" type="datetimeFigureOut">
               <a:rPr lang="en-GB" smtClean="0"/>
-              <a:t>27/11/2019</a:t>
+              <a:t>08/01/2020</a:t>
             </a:fld>
             <a:endParaRPr lang="en-GB"/>
           </a:p>
@@ -1147,7 +1147,7 @@
           <a:p>
             <a:fld id="{22CD0BCE-86C3-40D7-8017-42B97FFE2572}" type="datetimeFigureOut">
               <a:rPr lang="en-GB" smtClean="0"/>
-              <a:t>27/11/2019</a:t>
+              <a:t>08/01/2020</a:t>
             </a:fld>
             <a:endParaRPr lang="en-GB"/>
           </a:p>
@@ -1415,7 +1415,7 @@
           <a:p>
             <a:fld id="{22CD0BCE-86C3-40D7-8017-42B97FFE2572}" type="datetimeFigureOut">
               <a:rPr lang="en-GB" smtClean="0"/>
-              <a:t>27/11/2019</a:t>
+              <a:t>08/01/2020</a:t>
             </a:fld>
             <a:endParaRPr lang="en-GB"/>
           </a:p>
@@ -1830,7 +1830,7 @@
           <a:p>
             <a:fld id="{22CD0BCE-86C3-40D7-8017-42B97FFE2572}" type="datetimeFigureOut">
               <a:rPr lang="en-GB" smtClean="0"/>
-              <a:t>27/11/2019</a:t>
+              <a:t>08/01/2020</a:t>
             </a:fld>
             <a:endParaRPr lang="en-GB"/>
           </a:p>
@@ -1972,7 +1972,7 @@
           <a:p>
             <a:fld id="{22CD0BCE-86C3-40D7-8017-42B97FFE2572}" type="datetimeFigureOut">
               <a:rPr lang="en-GB" smtClean="0"/>
-              <a:t>27/11/2019</a:t>
+              <a:t>08/01/2020</a:t>
             </a:fld>
             <a:endParaRPr lang="en-GB"/>
           </a:p>
@@ -2085,7 +2085,7 @@
           <a:p>
             <a:fld id="{22CD0BCE-86C3-40D7-8017-42B97FFE2572}" type="datetimeFigureOut">
               <a:rPr lang="en-GB" smtClean="0"/>
-              <a:t>27/11/2019</a:t>
+              <a:t>08/01/2020</a:t>
             </a:fld>
             <a:endParaRPr lang="en-GB"/>
           </a:p>
@@ -2398,7 +2398,7 @@
           <a:p>
             <a:fld id="{22CD0BCE-86C3-40D7-8017-42B97FFE2572}" type="datetimeFigureOut">
               <a:rPr lang="en-GB" smtClean="0"/>
-              <a:t>27/11/2019</a:t>
+              <a:t>08/01/2020</a:t>
             </a:fld>
             <a:endParaRPr lang="en-GB"/>
           </a:p>
@@ -2687,7 +2687,7 @@
           <a:p>
             <a:fld id="{22CD0BCE-86C3-40D7-8017-42B97FFE2572}" type="datetimeFigureOut">
               <a:rPr lang="en-GB" smtClean="0"/>
-              <a:t>27/11/2019</a:t>
+              <a:t>08/01/2020</a:t>
             </a:fld>
             <a:endParaRPr lang="en-GB"/>
           </a:p>
@@ -2930,7 +2930,7 @@
           <a:p>
             <a:fld id="{22CD0BCE-86C3-40D7-8017-42B97FFE2572}" type="datetimeFigureOut">
               <a:rPr lang="en-GB" smtClean="0"/>
-              <a:t>27/11/2019</a:t>
+              <a:t>08/01/2020</a:t>
             </a:fld>
             <a:endParaRPr lang="en-GB"/>
           </a:p>
@@ -4643,6 +4643,62 @@
           </a:p>
         </p:txBody>
       </p:sp>
+      <p:sp>
+        <p:nvSpPr>
+          <p:cNvPr id="6" name="Signe de multiplication 5">
+            <a:extLst>
+              <a:ext uri="{FF2B5EF4-FFF2-40B4-BE49-F238E27FC236}">
+                <a16:creationId xmlns:a16="http://schemas.microsoft.com/office/drawing/2014/main" id="{FE9C0A46-EBCC-4A13-98D7-1622DE86ACEB}"/>
+              </a:ext>
+            </a:extLst>
+          </p:cNvPr>
+          <p:cNvSpPr/>
+          <p:nvPr/>
+        </p:nvSpPr>
+        <p:spPr>
+          <a:xfrm>
+            <a:off x="4675975" y="193957"/>
+            <a:ext cx="1794673" cy="1790173"/>
+          </a:xfrm>
+          <a:prstGeom prst="mathMultiply">
+            <a:avLst>
+              <a:gd name="adj1" fmla="val 2942"/>
+            </a:avLst>
+          </a:prstGeom>
+          <a:solidFill>
+            <a:srgbClr val="FF0000"/>
+          </a:solidFill>
+          <a:ln>
+            <a:solidFill>
+              <a:srgbClr val="C00000"/>
+            </a:solidFill>
+          </a:ln>
+        </p:spPr>
+        <p:style>
+          <a:lnRef idx="2">
+            <a:schemeClr val="accent1">
+              <a:shade val="50000"/>
+            </a:schemeClr>
+          </a:lnRef>
+          <a:fillRef idx="1">
+            <a:schemeClr val="accent1"/>
+          </a:fillRef>
+          <a:effectRef idx="0">
+            <a:schemeClr val="accent1"/>
+          </a:effectRef>
+          <a:fontRef idx="minor">
+            <a:schemeClr val="lt1"/>
+          </a:fontRef>
+        </p:style>
+        <p:txBody>
+          <a:bodyPr rtlCol="0" anchor="ctr"/>
+          <a:lstStyle/>
+          <a:p>
+            <a:pPr algn="ctr"/>
+            <a:endParaRPr lang="en-GB"/>
+          </a:p>
+        </p:txBody>
+      </p:sp>
     </p:spTree>
     <p:extLst>
       <p:ext uri="{BB962C8B-B14F-4D97-AF65-F5344CB8AC3E}">
